--- a/notes/slidenotes.pptx
+++ b/notes/slidenotes.pptx
@@ -6216,6 +6216,41 @@
           </a:p>
         </p:txBody>
       </p:sp>
+      <p:sp>
+        <p:nvSpPr>
+          <p:cNvPr id="22" name="TextBox 21">
+            <a:extLst>
+              <a:ext uri="{FF2B5EF4-FFF2-40B4-BE49-F238E27FC236}">
+                <a16:creationId xmlns:a16="http://schemas.microsoft.com/office/drawing/2014/main" id="{FA7CE7B1-3C9C-324D-9E70-9363CF70505B}"/>
+              </a:ext>
+            </a:extLst>
+          </p:cNvPr>
+          <p:cNvSpPr txBox="1"/>
+          <p:nvPr/>
+        </p:nvSpPr>
+        <p:spPr>
+          <a:xfrm>
+            <a:off x="1269924" y="288871"/>
+            <a:ext cx="9591665" cy="369332"/>
+          </a:xfrm>
+          <a:prstGeom prst="rect">
+            <a:avLst/>
+          </a:prstGeom>
+          <a:noFill/>
+        </p:spPr>
+        <p:txBody>
+          <a:bodyPr wrap="none" rtlCol="0">
+            <a:spAutoFit/>
+          </a:bodyPr>
+          <a:lstStyle/>
+          <a:p>
+            <a:r>
+              <a:rPr lang="en-US" dirty="0"/>
+              <a:t>Why a difference in initial conditions make a liner effect on a logit scale look like an interaction effect </a:t>
+            </a:r>
+          </a:p>
+        </p:txBody>
+      </p:sp>
     </p:spTree>
     <p:extLst>
       <p:ext uri="{BB962C8B-B14F-4D97-AF65-F5344CB8AC3E}">

--- a/notes/slidenotes.pptx
+++ b/notes/slidenotes.pptx
@@ -9,6 +9,7 @@
     <p:sldId id="257" r:id="rId3"/>
     <p:sldId id="258" r:id="rId4"/>
     <p:sldId id="259" r:id="rId5"/>
+    <p:sldId id="260" r:id="rId6"/>
   </p:sldIdLst>
   <p:sldSz cx="12192000" cy="6858000"/>
   <p:notesSz cx="6858000" cy="9144000"/>
@@ -107,6 +108,11 @@
       </a:defRPr>
     </a:lvl9pPr>
   </p:defaultTextStyle>
+  <p:extLst>
+    <p:ext uri="{EFAFB233-063F-42B5-8137-9DF3F51BA10A}">
+      <p15:sldGuideLst xmlns:p15="http://schemas.microsoft.com/office/powerpoint/2012/main"/>
+    </p:ext>
+  </p:extLst>
 </p:presentation>
 </file>
 
@@ -257,7 +263,7 @@
           <a:p>
             <a:fld id="{DF47F4CE-B148-EF40-950F-4034A59FA5B4}" type="datetimeFigureOut">
               <a:rPr lang="en-US" smtClean="0"/>
-              <a:t>10/6/21</a:t>
+              <a:t>8/1/23</a:t>
             </a:fld>
             <a:endParaRPr lang="en-US"/>
           </a:p>
@@ -455,7 +461,7 @@
           <a:p>
             <a:fld id="{DF47F4CE-B148-EF40-950F-4034A59FA5B4}" type="datetimeFigureOut">
               <a:rPr lang="en-US" smtClean="0"/>
-              <a:t>10/6/21</a:t>
+              <a:t>8/1/23</a:t>
             </a:fld>
             <a:endParaRPr lang="en-US"/>
           </a:p>
@@ -663,7 +669,7 @@
           <a:p>
             <a:fld id="{DF47F4CE-B148-EF40-950F-4034A59FA5B4}" type="datetimeFigureOut">
               <a:rPr lang="en-US" smtClean="0"/>
-              <a:t>10/6/21</a:t>
+              <a:t>8/1/23</a:t>
             </a:fld>
             <a:endParaRPr lang="en-US"/>
           </a:p>
@@ -861,7 +867,7 @@
           <a:p>
             <a:fld id="{DF47F4CE-B148-EF40-950F-4034A59FA5B4}" type="datetimeFigureOut">
               <a:rPr lang="en-US" smtClean="0"/>
-              <a:t>10/6/21</a:t>
+              <a:t>8/1/23</a:t>
             </a:fld>
             <a:endParaRPr lang="en-US"/>
           </a:p>
@@ -1136,7 +1142,7 @@
           <a:p>
             <a:fld id="{DF47F4CE-B148-EF40-950F-4034A59FA5B4}" type="datetimeFigureOut">
               <a:rPr lang="en-US" smtClean="0"/>
-              <a:t>10/6/21</a:t>
+              <a:t>8/1/23</a:t>
             </a:fld>
             <a:endParaRPr lang="en-US"/>
           </a:p>
@@ -1401,7 +1407,7 @@
           <a:p>
             <a:fld id="{DF47F4CE-B148-EF40-950F-4034A59FA5B4}" type="datetimeFigureOut">
               <a:rPr lang="en-US" smtClean="0"/>
-              <a:t>10/6/21</a:t>
+              <a:t>8/1/23</a:t>
             </a:fld>
             <a:endParaRPr lang="en-US"/>
           </a:p>
@@ -1813,7 +1819,7 @@
           <a:p>
             <a:fld id="{DF47F4CE-B148-EF40-950F-4034A59FA5B4}" type="datetimeFigureOut">
               <a:rPr lang="en-US" smtClean="0"/>
-              <a:t>10/6/21</a:t>
+              <a:t>8/1/23</a:t>
             </a:fld>
             <a:endParaRPr lang="en-US"/>
           </a:p>
@@ -1954,7 +1960,7 @@
           <a:p>
             <a:fld id="{DF47F4CE-B148-EF40-950F-4034A59FA5B4}" type="datetimeFigureOut">
               <a:rPr lang="en-US" smtClean="0"/>
-              <a:t>10/6/21</a:t>
+              <a:t>8/1/23</a:t>
             </a:fld>
             <a:endParaRPr lang="en-US"/>
           </a:p>
@@ -2067,7 +2073,7 @@
           <a:p>
             <a:fld id="{DF47F4CE-B148-EF40-950F-4034A59FA5B4}" type="datetimeFigureOut">
               <a:rPr lang="en-US" smtClean="0"/>
-              <a:t>10/6/21</a:t>
+              <a:t>8/1/23</a:t>
             </a:fld>
             <a:endParaRPr lang="en-US"/>
           </a:p>
@@ -2378,7 +2384,7 @@
           <a:p>
             <a:fld id="{DF47F4CE-B148-EF40-950F-4034A59FA5B4}" type="datetimeFigureOut">
               <a:rPr lang="en-US" smtClean="0"/>
-              <a:t>10/6/21</a:t>
+              <a:t>8/1/23</a:t>
             </a:fld>
             <a:endParaRPr lang="en-US"/>
           </a:p>
@@ -2666,7 +2672,7 @@
           <a:p>
             <a:fld id="{DF47F4CE-B148-EF40-950F-4034A59FA5B4}" type="datetimeFigureOut">
               <a:rPr lang="en-US" smtClean="0"/>
-              <a:t>10/6/21</a:t>
+              <a:t>8/1/23</a:t>
             </a:fld>
             <a:endParaRPr lang="en-US"/>
           </a:p>
@@ -2907,7 +2913,7 @@
           <a:p>
             <a:fld id="{DF47F4CE-B148-EF40-950F-4034A59FA5B4}" type="datetimeFigureOut">
               <a:rPr lang="en-US" smtClean="0"/>
-              <a:t>10/6/21</a:t>
+              <a:t>8/1/23</a:t>
             </a:fld>
             <a:endParaRPr lang="en-US"/>
           </a:p>
@@ -6231,7 +6237,7 @@
         <p:spPr>
           <a:xfrm>
             <a:off x="1269924" y="288871"/>
-            <a:ext cx="9591665" cy="369332"/>
+            <a:ext cx="9779216" cy="369332"/>
           </a:xfrm>
           <a:prstGeom prst="rect">
             <a:avLst/>
@@ -6246,7 +6252,7 @@
           <a:p>
             <a:r>
               <a:rPr lang="en-US" dirty="0"/>
-              <a:t>Why a difference in initial conditions make a liner effect on a logit scale look like an interaction effect </a:t>
+              <a:t>Why a difference in initial conditions make a linear effect on a logit scale look like an interaction effect </a:t>
             </a:r>
           </a:p>
         </p:txBody>
@@ -6255,6 +6261,786 @@
     <p:extLst>
       <p:ext uri="{BB962C8B-B14F-4D97-AF65-F5344CB8AC3E}">
         <p14:creationId xmlns:p14="http://schemas.microsoft.com/office/powerpoint/2010/main" val="4138102707"/>
+      </p:ext>
+    </p:extLst>
+  </p:cSld>
+  <p:clrMapOvr>
+    <a:masterClrMapping/>
+  </p:clrMapOvr>
+</p:sld>
+</file>
+
+<file path=ppt/slides/slide5.xml><?xml version="1.0" encoding="utf-8"?>
+<p:sld xmlns:a="http://schemas.openxmlformats.org/drawingml/2006/main" xmlns:r="http://schemas.openxmlformats.org/officeDocument/2006/relationships" xmlns:p="http://schemas.openxmlformats.org/presentationml/2006/main">
+  <p:cSld>
+    <p:spTree>
+      <p:nvGrpSpPr>
+        <p:cNvPr id="1" name=""/>
+        <p:cNvGrpSpPr/>
+        <p:nvPr/>
+      </p:nvGrpSpPr>
+      <p:grpSpPr>
+        <a:xfrm>
+          <a:off x="0" y="0"/>
+          <a:ext cx="0" cy="0"/>
+          <a:chOff x="0" y="0"/>
+          <a:chExt cx="0" cy="0"/>
+        </a:xfrm>
+      </p:grpSpPr>
+      <p:sp>
+        <p:nvSpPr>
+          <p:cNvPr id="4" name="Rectangle 3">
+            <a:extLst>
+              <a:ext uri="{FF2B5EF4-FFF2-40B4-BE49-F238E27FC236}">
+                <a16:creationId xmlns:a16="http://schemas.microsoft.com/office/drawing/2014/main" id="{815D6EF1-8DE5-2346-8464-0BED57C5AED6}"/>
+              </a:ext>
+            </a:extLst>
+          </p:cNvPr>
+          <p:cNvSpPr/>
+          <p:nvPr/>
+        </p:nvSpPr>
+        <p:spPr>
+          <a:xfrm>
+            <a:off x="1136822" y="1124465"/>
+            <a:ext cx="4534929" cy="4497859"/>
+          </a:xfrm>
+          <a:prstGeom prst="rect">
+            <a:avLst/>
+          </a:prstGeom>
+        </p:spPr>
+        <p:style>
+          <a:lnRef idx="2">
+            <a:schemeClr val="accent1">
+              <a:shade val="50000"/>
+            </a:schemeClr>
+          </a:lnRef>
+          <a:fillRef idx="1">
+            <a:schemeClr val="accent1"/>
+          </a:fillRef>
+          <a:effectRef idx="0">
+            <a:schemeClr val="accent1"/>
+          </a:effectRef>
+          <a:fontRef idx="minor">
+            <a:schemeClr val="lt1"/>
+          </a:fontRef>
+        </p:style>
+        <p:txBody>
+          <a:bodyPr rtlCol="0" anchor="ctr"/>
+          <a:lstStyle/>
+          <a:p>
+            <a:pPr algn="ctr"/>
+            <a:endParaRPr lang="en-US" dirty="0"/>
+          </a:p>
+        </p:txBody>
+      </p:sp>
+      <p:sp>
+        <p:nvSpPr>
+          <p:cNvPr id="5" name="Rectangle 4">
+            <a:extLst>
+              <a:ext uri="{FF2B5EF4-FFF2-40B4-BE49-F238E27FC236}">
+                <a16:creationId xmlns:a16="http://schemas.microsoft.com/office/drawing/2014/main" id="{7BD5AFB0-59C6-AB41-9123-8437B2D605C7}"/>
+              </a:ext>
+            </a:extLst>
+          </p:cNvPr>
+          <p:cNvSpPr/>
+          <p:nvPr/>
+        </p:nvSpPr>
+        <p:spPr>
+          <a:xfrm>
+            <a:off x="6725926" y="1124464"/>
+            <a:ext cx="4534929" cy="4497859"/>
+          </a:xfrm>
+          <a:prstGeom prst="rect">
+            <a:avLst/>
+          </a:prstGeom>
+        </p:spPr>
+        <p:style>
+          <a:lnRef idx="2">
+            <a:schemeClr val="accent1">
+              <a:shade val="50000"/>
+            </a:schemeClr>
+          </a:lnRef>
+          <a:fillRef idx="1">
+            <a:schemeClr val="accent1"/>
+          </a:fillRef>
+          <a:effectRef idx="0">
+            <a:schemeClr val="accent1"/>
+          </a:effectRef>
+          <a:fontRef idx="minor">
+            <a:schemeClr val="lt1"/>
+          </a:fontRef>
+        </p:style>
+        <p:txBody>
+          <a:bodyPr rtlCol="0" anchor="ctr"/>
+          <a:lstStyle/>
+          <a:p>
+            <a:pPr algn="ctr"/>
+            <a:endParaRPr lang="en-US"/>
+          </a:p>
+        </p:txBody>
+      </p:sp>
+      <p:sp>
+        <p:nvSpPr>
+          <p:cNvPr id="6" name="TextBox 5">
+            <a:extLst>
+              <a:ext uri="{FF2B5EF4-FFF2-40B4-BE49-F238E27FC236}">
+                <a16:creationId xmlns:a16="http://schemas.microsoft.com/office/drawing/2014/main" id="{2CC62925-2E86-4246-A1C1-E1774E5E634E}"/>
+              </a:ext>
+            </a:extLst>
+          </p:cNvPr>
+          <p:cNvSpPr txBox="1"/>
+          <p:nvPr/>
+        </p:nvSpPr>
+        <p:spPr>
+          <a:xfrm>
+            <a:off x="5747026" y="5993296"/>
+            <a:ext cx="697948" cy="369332"/>
+          </a:xfrm>
+          <a:prstGeom prst="rect">
+            <a:avLst/>
+          </a:prstGeom>
+          <a:noFill/>
+        </p:spPr>
+        <p:txBody>
+          <a:bodyPr wrap="none" rtlCol="0">
+            <a:spAutoFit/>
+          </a:bodyPr>
+          <a:lstStyle/>
+          <a:p>
+            <a:r>
+              <a:rPr lang="en-US" dirty="0"/>
+              <a:t>Temp</a:t>
+            </a:r>
+          </a:p>
+        </p:txBody>
+      </p:sp>
+      <p:sp>
+        <p:nvSpPr>
+          <p:cNvPr id="7" name="TextBox 6">
+            <a:extLst>
+              <a:ext uri="{FF2B5EF4-FFF2-40B4-BE49-F238E27FC236}">
+                <a16:creationId xmlns:a16="http://schemas.microsoft.com/office/drawing/2014/main" id="{2EC7495B-B345-474D-A8B2-58B1F6CDCF14}"/>
+              </a:ext>
+            </a:extLst>
+          </p:cNvPr>
+          <p:cNvSpPr txBox="1"/>
+          <p:nvPr/>
+        </p:nvSpPr>
+        <p:spPr>
+          <a:xfrm rot="16200000">
+            <a:off x="153721" y="3244333"/>
+            <a:ext cx="1185517" cy="369332"/>
+          </a:xfrm>
+          <a:prstGeom prst="rect">
+            <a:avLst/>
+          </a:prstGeom>
+          <a:noFill/>
+        </p:spPr>
+        <p:txBody>
+          <a:bodyPr wrap="none" rtlCol="0">
+            <a:spAutoFit/>
+          </a:bodyPr>
+          <a:lstStyle/>
+          <a:p>
+            <a:r>
+              <a:rPr lang="en-US" dirty="0"/>
+              <a:t>Kelp Cover</a:t>
+            </a:r>
+          </a:p>
+        </p:txBody>
+      </p:sp>
+      <p:sp>
+        <p:nvSpPr>
+          <p:cNvPr id="8" name="TextBox 7">
+            <a:extLst>
+              <a:ext uri="{FF2B5EF4-FFF2-40B4-BE49-F238E27FC236}">
+                <a16:creationId xmlns:a16="http://schemas.microsoft.com/office/drawing/2014/main" id="{F0B38311-3D15-F342-B1D2-CC8FDA41CBB8}"/>
+              </a:ext>
+            </a:extLst>
+          </p:cNvPr>
+          <p:cNvSpPr txBox="1"/>
+          <p:nvPr/>
+        </p:nvSpPr>
+        <p:spPr>
+          <a:xfrm rot="16200000">
+            <a:off x="5661459" y="3058804"/>
+            <a:ext cx="1567032" cy="369332"/>
+          </a:xfrm>
+          <a:prstGeom prst="rect">
+            <a:avLst/>
+          </a:prstGeom>
+          <a:noFill/>
+        </p:spPr>
+        <p:txBody>
+          <a:bodyPr wrap="none" rtlCol="0">
+            <a:spAutoFit/>
+          </a:bodyPr>
+          <a:lstStyle/>
+          <a:p>
+            <a:r>
+              <a:rPr lang="en-US" dirty="0"/>
+              <a:t>Log Kelp Cover</a:t>
+            </a:r>
+          </a:p>
+        </p:txBody>
+      </p:sp>
+      <p:cxnSp>
+        <p:nvCxnSpPr>
+          <p:cNvPr id="12" name="Straight Connector 11">
+            <a:extLst>
+              <a:ext uri="{FF2B5EF4-FFF2-40B4-BE49-F238E27FC236}">
+                <a16:creationId xmlns:a16="http://schemas.microsoft.com/office/drawing/2014/main" id="{214A01C4-C462-D54A-A6DF-3D06EA2A5CB6}"/>
+              </a:ext>
+            </a:extLst>
+          </p:cNvPr>
+          <p:cNvCxnSpPr/>
+          <p:nvPr/>
+        </p:nvCxnSpPr>
+        <p:spPr>
+          <a:xfrm>
+            <a:off x="7092778" y="1433384"/>
+            <a:ext cx="3768811" cy="3913868"/>
+          </a:xfrm>
+          <a:prstGeom prst="line">
+            <a:avLst/>
+          </a:prstGeom>
+          <a:ln w="127000">
+            <a:solidFill>
+              <a:schemeClr val="tx1"/>
+            </a:solidFill>
+          </a:ln>
+        </p:spPr>
+        <p:style>
+          <a:lnRef idx="1">
+            <a:schemeClr val="accent1"/>
+          </a:lnRef>
+          <a:fillRef idx="0">
+            <a:schemeClr val="accent1"/>
+          </a:fillRef>
+          <a:effectRef idx="0">
+            <a:schemeClr val="accent1"/>
+          </a:effectRef>
+          <a:fontRef idx="minor">
+            <a:schemeClr val="tx1"/>
+          </a:fontRef>
+        </p:style>
+      </p:cxnSp>
+      <p:sp>
+        <p:nvSpPr>
+          <p:cNvPr id="13" name="Oval 12">
+            <a:extLst>
+              <a:ext uri="{FF2B5EF4-FFF2-40B4-BE49-F238E27FC236}">
+                <a16:creationId xmlns:a16="http://schemas.microsoft.com/office/drawing/2014/main" id="{E2E12870-EE31-BE4A-86C8-681DE73F2AB0}"/>
+              </a:ext>
+            </a:extLst>
+          </p:cNvPr>
+          <p:cNvSpPr/>
+          <p:nvPr/>
+        </p:nvSpPr>
+        <p:spPr>
+          <a:xfrm>
+            <a:off x="7092778" y="1433384"/>
+            <a:ext cx="469557" cy="432486"/>
+          </a:xfrm>
+          <a:prstGeom prst="ellipse">
+            <a:avLst/>
+          </a:prstGeom>
+          <a:solidFill>
+            <a:srgbClr val="00B050"/>
+          </a:solidFill>
+          <a:ln>
+            <a:solidFill>
+              <a:schemeClr val="accent2"/>
+            </a:solidFill>
+          </a:ln>
+        </p:spPr>
+        <p:style>
+          <a:lnRef idx="2">
+            <a:schemeClr val="accent1">
+              <a:shade val="50000"/>
+            </a:schemeClr>
+          </a:lnRef>
+          <a:fillRef idx="1">
+            <a:schemeClr val="accent1"/>
+          </a:fillRef>
+          <a:effectRef idx="0">
+            <a:schemeClr val="accent1"/>
+          </a:effectRef>
+          <a:fontRef idx="minor">
+            <a:schemeClr val="lt1"/>
+          </a:fontRef>
+        </p:style>
+        <p:txBody>
+          <a:bodyPr rtlCol="0" anchor="ctr"/>
+          <a:lstStyle/>
+          <a:p>
+            <a:pPr algn="ctr"/>
+            <a:endParaRPr lang="en-US" dirty="0"/>
+          </a:p>
+        </p:txBody>
+      </p:sp>
+      <p:sp>
+        <p:nvSpPr>
+          <p:cNvPr id="14" name="Oval 13">
+            <a:extLst>
+              <a:ext uri="{FF2B5EF4-FFF2-40B4-BE49-F238E27FC236}">
+                <a16:creationId xmlns:a16="http://schemas.microsoft.com/office/drawing/2014/main" id="{581E423B-4515-C146-91A8-14AE515E228D}"/>
+              </a:ext>
+            </a:extLst>
+          </p:cNvPr>
+          <p:cNvSpPr/>
+          <p:nvPr/>
+        </p:nvSpPr>
+        <p:spPr>
+          <a:xfrm>
+            <a:off x="7683817" y="1987259"/>
+            <a:ext cx="469557" cy="432486"/>
+          </a:xfrm>
+          <a:prstGeom prst="ellipse">
+            <a:avLst/>
+          </a:prstGeom>
+          <a:solidFill>
+            <a:srgbClr val="00B050"/>
+          </a:solidFill>
+          <a:ln>
+            <a:solidFill>
+              <a:schemeClr val="accent2"/>
+            </a:solidFill>
+          </a:ln>
+        </p:spPr>
+        <p:style>
+          <a:lnRef idx="2">
+            <a:schemeClr val="accent1">
+              <a:shade val="50000"/>
+            </a:schemeClr>
+          </a:lnRef>
+          <a:fillRef idx="1">
+            <a:schemeClr val="accent1"/>
+          </a:fillRef>
+          <a:effectRef idx="0">
+            <a:schemeClr val="accent1"/>
+          </a:effectRef>
+          <a:fontRef idx="minor">
+            <a:schemeClr val="lt1"/>
+          </a:fontRef>
+        </p:style>
+        <p:txBody>
+          <a:bodyPr rtlCol="0" anchor="ctr"/>
+          <a:lstStyle/>
+          <a:p>
+            <a:pPr algn="ctr"/>
+            <a:endParaRPr lang="en-US" dirty="0"/>
+          </a:p>
+        </p:txBody>
+      </p:sp>
+      <p:sp>
+        <p:nvSpPr>
+          <p:cNvPr id="15" name="Oval 14">
+            <a:extLst>
+              <a:ext uri="{FF2B5EF4-FFF2-40B4-BE49-F238E27FC236}">
+                <a16:creationId xmlns:a16="http://schemas.microsoft.com/office/drawing/2014/main" id="{ADD64881-AFFB-5643-B41A-D0E711CC7502}"/>
+              </a:ext>
+            </a:extLst>
+          </p:cNvPr>
+          <p:cNvSpPr/>
+          <p:nvPr/>
+        </p:nvSpPr>
+        <p:spPr>
+          <a:xfrm>
+            <a:off x="1152939" y="1776418"/>
+            <a:ext cx="469557" cy="432486"/>
+          </a:xfrm>
+          <a:prstGeom prst="ellipse">
+            <a:avLst/>
+          </a:prstGeom>
+          <a:solidFill>
+            <a:srgbClr val="00B050"/>
+          </a:solidFill>
+          <a:ln>
+            <a:solidFill>
+              <a:schemeClr val="accent2"/>
+            </a:solidFill>
+          </a:ln>
+        </p:spPr>
+        <p:style>
+          <a:lnRef idx="2">
+            <a:schemeClr val="accent1">
+              <a:shade val="50000"/>
+            </a:schemeClr>
+          </a:lnRef>
+          <a:fillRef idx="1">
+            <a:schemeClr val="accent1"/>
+          </a:fillRef>
+          <a:effectRef idx="0">
+            <a:schemeClr val="accent1"/>
+          </a:effectRef>
+          <a:fontRef idx="minor">
+            <a:schemeClr val="lt1"/>
+          </a:fontRef>
+        </p:style>
+        <p:txBody>
+          <a:bodyPr rtlCol="0" anchor="ctr"/>
+          <a:lstStyle/>
+          <a:p>
+            <a:pPr algn="ctr"/>
+            <a:endParaRPr lang="en-US" dirty="0"/>
+          </a:p>
+        </p:txBody>
+      </p:sp>
+      <p:sp>
+        <p:nvSpPr>
+          <p:cNvPr id="16" name="Oval 15">
+            <a:extLst>
+              <a:ext uri="{FF2B5EF4-FFF2-40B4-BE49-F238E27FC236}">
+                <a16:creationId xmlns:a16="http://schemas.microsoft.com/office/drawing/2014/main" id="{E2D54A3F-F5BA-E54F-9D64-28EDFAEF55E6}"/>
+              </a:ext>
+            </a:extLst>
+          </p:cNvPr>
+          <p:cNvSpPr/>
+          <p:nvPr/>
+        </p:nvSpPr>
+        <p:spPr>
+          <a:xfrm>
+            <a:off x="1259884" y="2782746"/>
+            <a:ext cx="469557" cy="432486"/>
+          </a:xfrm>
+          <a:prstGeom prst="ellipse">
+            <a:avLst/>
+          </a:prstGeom>
+          <a:solidFill>
+            <a:srgbClr val="00B050"/>
+          </a:solidFill>
+          <a:ln>
+            <a:solidFill>
+              <a:schemeClr val="accent2"/>
+            </a:solidFill>
+          </a:ln>
+        </p:spPr>
+        <p:style>
+          <a:lnRef idx="2">
+            <a:schemeClr val="accent1">
+              <a:shade val="50000"/>
+            </a:schemeClr>
+          </a:lnRef>
+          <a:fillRef idx="1">
+            <a:schemeClr val="accent1"/>
+          </a:fillRef>
+          <a:effectRef idx="0">
+            <a:schemeClr val="accent1"/>
+          </a:effectRef>
+          <a:fontRef idx="minor">
+            <a:schemeClr val="lt1"/>
+          </a:fontRef>
+        </p:style>
+        <p:txBody>
+          <a:bodyPr rtlCol="0" anchor="ctr"/>
+          <a:lstStyle/>
+          <a:p>
+            <a:pPr algn="ctr"/>
+            <a:endParaRPr lang="en-US" dirty="0"/>
+          </a:p>
+        </p:txBody>
+      </p:sp>
+      <p:sp>
+        <p:nvSpPr>
+          <p:cNvPr id="17" name="Oval 16">
+            <a:extLst>
+              <a:ext uri="{FF2B5EF4-FFF2-40B4-BE49-F238E27FC236}">
+                <a16:creationId xmlns:a16="http://schemas.microsoft.com/office/drawing/2014/main" id="{1C3D9161-77FB-E447-91AC-85F9897CA815}"/>
+              </a:ext>
+            </a:extLst>
+          </p:cNvPr>
+          <p:cNvSpPr/>
+          <p:nvPr/>
+        </p:nvSpPr>
+        <p:spPr>
+          <a:xfrm>
+            <a:off x="2420404" y="4315433"/>
+            <a:ext cx="469557" cy="432486"/>
+          </a:xfrm>
+          <a:prstGeom prst="ellipse">
+            <a:avLst/>
+          </a:prstGeom>
+          <a:solidFill>
+            <a:srgbClr val="FF0000"/>
+          </a:solidFill>
+          <a:ln>
+            <a:solidFill>
+              <a:schemeClr val="accent2"/>
+            </a:solidFill>
+          </a:ln>
+        </p:spPr>
+        <p:style>
+          <a:lnRef idx="2">
+            <a:schemeClr val="accent1">
+              <a:shade val="50000"/>
+            </a:schemeClr>
+          </a:lnRef>
+          <a:fillRef idx="1">
+            <a:schemeClr val="accent1"/>
+          </a:fillRef>
+          <a:effectRef idx="0">
+            <a:schemeClr val="accent1"/>
+          </a:effectRef>
+          <a:fontRef idx="minor">
+            <a:schemeClr val="lt1"/>
+          </a:fontRef>
+        </p:style>
+        <p:txBody>
+          <a:bodyPr rtlCol="0" anchor="ctr"/>
+          <a:lstStyle/>
+          <a:p>
+            <a:pPr algn="ctr"/>
+            <a:endParaRPr lang="en-US" dirty="0"/>
+          </a:p>
+        </p:txBody>
+      </p:sp>
+      <p:sp>
+        <p:nvSpPr>
+          <p:cNvPr id="18" name="Oval 17">
+            <a:extLst>
+              <a:ext uri="{FF2B5EF4-FFF2-40B4-BE49-F238E27FC236}">
+                <a16:creationId xmlns:a16="http://schemas.microsoft.com/office/drawing/2014/main" id="{1B95EB5A-09F2-1745-9917-BC8FD8CD34A7}"/>
+              </a:ext>
+            </a:extLst>
+          </p:cNvPr>
+          <p:cNvSpPr/>
+          <p:nvPr/>
+        </p:nvSpPr>
+        <p:spPr>
+          <a:xfrm>
+            <a:off x="3182270" y="4531676"/>
+            <a:ext cx="469557" cy="432486"/>
+          </a:xfrm>
+          <a:prstGeom prst="ellipse">
+            <a:avLst/>
+          </a:prstGeom>
+          <a:solidFill>
+            <a:srgbClr val="FF0000"/>
+          </a:solidFill>
+          <a:ln>
+            <a:solidFill>
+              <a:schemeClr val="accent2"/>
+            </a:solidFill>
+          </a:ln>
+        </p:spPr>
+        <p:style>
+          <a:lnRef idx="2">
+            <a:schemeClr val="accent1">
+              <a:shade val="50000"/>
+            </a:schemeClr>
+          </a:lnRef>
+          <a:fillRef idx="1">
+            <a:schemeClr val="accent1"/>
+          </a:fillRef>
+          <a:effectRef idx="0">
+            <a:schemeClr val="accent1"/>
+          </a:effectRef>
+          <a:fontRef idx="minor">
+            <a:schemeClr val="lt1"/>
+          </a:fontRef>
+        </p:style>
+        <p:txBody>
+          <a:bodyPr rtlCol="0" anchor="ctr"/>
+          <a:lstStyle/>
+          <a:p>
+            <a:pPr algn="ctr"/>
+            <a:endParaRPr lang="en-US" dirty="0"/>
+          </a:p>
+        </p:txBody>
+      </p:sp>
+      <p:sp>
+        <p:nvSpPr>
+          <p:cNvPr id="19" name="Oval 18">
+            <a:extLst>
+              <a:ext uri="{FF2B5EF4-FFF2-40B4-BE49-F238E27FC236}">
+                <a16:creationId xmlns:a16="http://schemas.microsoft.com/office/drawing/2014/main" id="{B5465C21-2466-5E4B-81F9-1877A3C80C69}"/>
+              </a:ext>
+            </a:extLst>
+          </p:cNvPr>
+          <p:cNvSpPr/>
+          <p:nvPr/>
+        </p:nvSpPr>
+        <p:spPr>
+          <a:xfrm>
+            <a:off x="8281626" y="2619997"/>
+            <a:ext cx="469557" cy="432486"/>
+          </a:xfrm>
+          <a:prstGeom prst="ellipse">
+            <a:avLst/>
+          </a:prstGeom>
+          <a:solidFill>
+            <a:srgbClr val="FF0000"/>
+          </a:solidFill>
+          <a:ln>
+            <a:solidFill>
+              <a:schemeClr val="accent2"/>
+            </a:solidFill>
+          </a:ln>
+        </p:spPr>
+        <p:style>
+          <a:lnRef idx="2">
+            <a:schemeClr val="accent1">
+              <a:shade val="50000"/>
+            </a:schemeClr>
+          </a:lnRef>
+          <a:fillRef idx="1">
+            <a:schemeClr val="accent1"/>
+          </a:fillRef>
+          <a:effectRef idx="0">
+            <a:schemeClr val="accent1"/>
+          </a:effectRef>
+          <a:fontRef idx="minor">
+            <a:schemeClr val="lt1"/>
+          </a:fontRef>
+        </p:style>
+        <p:txBody>
+          <a:bodyPr rtlCol="0" anchor="ctr"/>
+          <a:lstStyle/>
+          <a:p>
+            <a:pPr algn="ctr"/>
+            <a:endParaRPr lang="en-US" dirty="0"/>
+          </a:p>
+        </p:txBody>
+      </p:sp>
+      <p:sp>
+        <p:nvSpPr>
+          <p:cNvPr id="20" name="Oval 19">
+            <a:extLst>
+              <a:ext uri="{FF2B5EF4-FFF2-40B4-BE49-F238E27FC236}">
+                <a16:creationId xmlns:a16="http://schemas.microsoft.com/office/drawing/2014/main" id="{E45C8B7F-DDDC-1A43-8ADC-F1C58A326233}"/>
+              </a:ext>
+            </a:extLst>
+          </p:cNvPr>
+          <p:cNvSpPr/>
+          <p:nvPr/>
+        </p:nvSpPr>
+        <p:spPr>
+          <a:xfrm>
+            <a:off x="8792778" y="3223521"/>
+            <a:ext cx="469557" cy="432486"/>
+          </a:xfrm>
+          <a:prstGeom prst="ellipse">
+            <a:avLst/>
+          </a:prstGeom>
+          <a:solidFill>
+            <a:srgbClr val="FF0000"/>
+          </a:solidFill>
+          <a:ln>
+            <a:solidFill>
+              <a:schemeClr val="accent2"/>
+            </a:solidFill>
+          </a:ln>
+        </p:spPr>
+        <p:style>
+          <a:lnRef idx="2">
+            <a:schemeClr val="accent1">
+              <a:shade val="50000"/>
+            </a:schemeClr>
+          </a:lnRef>
+          <a:fillRef idx="1">
+            <a:schemeClr val="accent1"/>
+          </a:fillRef>
+          <a:effectRef idx="0">
+            <a:schemeClr val="accent1"/>
+          </a:effectRef>
+          <a:fontRef idx="minor">
+            <a:schemeClr val="lt1"/>
+          </a:fontRef>
+        </p:style>
+        <p:txBody>
+          <a:bodyPr rtlCol="0" anchor="ctr"/>
+          <a:lstStyle/>
+          <a:p>
+            <a:pPr algn="ctr"/>
+            <a:endParaRPr lang="en-US" dirty="0"/>
+          </a:p>
+        </p:txBody>
+      </p:sp>
+      <p:sp>
+        <p:nvSpPr>
+          <p:cNvPr id="22" name="TextBox 21">
+            <a:extLst>
+              <a:ext uri="{FF2B5EF4-FFF2-40B4-BE49-F238E27FC236}">
+                <a16:creationId xmlns:a16="http://schemas.microsoft.com/office/drawing/2014/main" id="{FA7CE7B1-3C9C-324D-9E70-9363CF70505B}"/>
+              </a:ext>
+            </a:extLst>
+          </p:cNvPr>
+          <p:cNvSpPr txBox="1"/>
+          <p:nvPr/>
+        </p:nvSpPr>
+        <p:spPr>
+          <a:xfrm>
+            <a:off x="1269924" y="288871"/>
+            <a:ext cx="9779216" cy="369332"/>
+          </a:xfrm>
+          <a:prstGeom prst="rect">
+            <a:avLst/>
+          </a:prstGeom>
+          <a:noFill/>
+        </p:spPr>
+        <p:txBody>
+          <a:bodyPr wrap="none" rtlCol="0">
+            <a:spAutoFit/>
+          </a:bodyPr>
+          <a:lstStyle/>
+          <a:p>
+            <a:r>
+              <a:rPr lang="en-US" dirty="0"/>
+              <a:t>Why a difference in initial conditions make a linear effect on a log scale look like an interaction effect </a:t>
+            </a:r>
+          </a:p>
+        </p:txBody>
+      </p:sp>
+      <p:cxnSp>
+        <p:nvCxnSpPr>
+          <p:cNvPr id="2" name="Straight Connector 1">
+            <a:extLst>
+              <a:ext uri="{FF2B5EF4-FFF2-40B4-BE49-F238E27FC236}">
+                <a16:creationId xmlns:a16="http://schemas.microsoft.com/office/drawing/2014/main" id="{9CB6791C-7198-7195-B6A6-5EAB106DDFBD}"/>
+              </a:ext>
+            </a:extLst>
+          </p:cNvPr>
+          <p:cNvCxnSpPr>
+            <a:cxnSpLocks/>
+          </p:cNvCxnSpPr>
+          <p:nvPr/>
+        </p:nvCxnSpPr>
+        <p:spPr>
+          <a:xfrm>
+            <a:off x="1330410" y="1532276"/>
+            <a:ext cx="4106564" cy="3577206"/>
+          </a:xfrm>
+          <a:prstGeom prst="curvedConnector3">
+            <a:avLst>
+              <a:gd name="adj1" fmla="val 3288"/>
+            </a:avLst>
+          </a:prstGeom>
+          <a:ln w="127000">
+            <a:solidFill>
+              <a:schemeClr val="tx1"/>
+            </a:solidFill>
+          </a:ln>
+        </p:spPr>
+        <p:style>
+          <a:lnRef idx="1">
+            <a:schemeClr val="accent1"/>
+          </a:lnRef>
+          <a:fillRef idx="0">
+            <a:schemeClr val="accent1"/>
+          </a:fillRef>
+          <a:effectRef idx="0">
+            <a:schemeClr val="accent1"/>
+          </a:effectRef>
+          <a:fontRef idx="minor">
+            <a:schemeClr val="tx1"/>
+          </a:fontRef>
+        </p:style>
+      </p:cxnSp>
+    </p:spTree>
+    <p:extLst>
+      <p:ext uri="{BB962C8B-B14F-4D97-AF65-F5344CB8AC3E}">
+        <p14:creationId xmlns:p14="http://schemas.microsoft.com/office/powerpoint/2010/main" val="2259820198"/>
       </p:ext>
     </p:extLst>
   </p:cSld>
